--- a/2018-05-10 Databases.pptx
+++ b/2018-05-10 Databases.pptx
@@ -9,8 +9,8 @@
   </p:notesMasterIdLst>
   <p:sldIdLst>
     <p:sldId id="256" r:id="rId2"/>
-    <p:sldId id="268" r:id="rId3"/>
-    <p:sldId id="257" r:id="rId4"/>
+    <p:sldId id="257" r:id="rId3"/>
+    <p:sldId id="268" r:id="rId4"/>
     <p:sldId id="275" r:id="rId5"/>
   </p:sldIdLst>
   <p:sldSz cx="12192000" cy="6858000"/>
@@ -116,8 +116,8 @@
         <p14:section name="Default Section" id="{D7B7A6A2-1883-4E38-8049-464C8A8C5C92}">
           <p14:sldIdLst>
             <p14:sldId id="256"/>
+            <p14:sldId id="257"/>
             <p14:sldId id="268"/>
-            <p14:sldId id="257"/>
             <p14:sldId id="275"/>
           </p14:sldIdLst>
         </p14:section>
@@ -212,7 +212,7 @@
           <a:p>
             <a:fld id="{9ECD7694-E21E-400C-BB20-C9362601679A}" type="datetimeFigureOut">
               <a:rPr lang="en-US" smtClean="0"/>
-              <a:t>4/28/2018</a:t>
+              <a:t>4/29/2018</a:t>
             </a:fld>
             <a:endParaRPr lang="en-US"/>
           </a:p>
@@ -528,15 +528,6 @@
               <a:t>Introduce myself:  Utah State and BYU for MS in statistics, Merrick Bank – Risk Analyst for 5 years, Intermountain Healthcare – Population Health almost 2 years.</a:t>
             </a:r>
           </a:p>
-          <a:p>
-            <a:endParaRPr lang="en-US" dirty="0"/>
-          </a:p>
-          <a:p>
-            <a:r>
-              <a:rPr lang="en-US" dirty="0"/>
-              <a:t>Time series is that course I always wished I took in college.</a:t>
-            </a:r>
-          </a:p>
         </p:txBody>
       </p:sp>
       <p:sp>
@@ -619,32 +610,7 @@
           <a:bodyPr/>
           <a:lstStyle/>
           <a:p>
-            <a:r>
-              <a:rPr lang="en-US" dirty="0"/>
-              <a:t>So, why time series?</a:t>
-            </a:r>
-          </a:p>
-          <a:p>
             <a:endParaRPr lang="en-US" dirty="0"/>
-          </a:p>
-          <a:p>
-            <a:r>
-              <a:rPr lang="en-US" dirty="0"/>
-              <a:t>This is “Practical Data Science” so this is the most math you’ll see in this presentation.</a:t>
-            </a:r>
-          </a:p>
-          <a:p>
-            <a:endParaRPr lang="en-US" dirty="0"/>
-          </a:p>
-          <a:p>
-            <a:r>
-              <a:rPr lang="en-US" dirty="0" err="1"/>
-              <a:t>iid</a:t>
-            </a:r>
-            <a:r>
-              <a:rPr lang="en-US" dirty="0"/>
-              <a:t> = “independent and identically distributed”</a:t>
-            </a:r>
           </a:p>
         </p:txBody>
       </p:sp>
@@ -665,7 +631,7 @@
           <a:p>
             <a:fld id="{213EDD61-84E5-43BC-99F2-79692E79CB0D}" type="slidenum">
               <a:rPr lang="en-US" smtClean="0"/>
-              <a:t>3</a:t>
+              <a:t>2</a:t>
             </a:fld>
             <a:endParaRPr lang="en-US"/>
           </a:p>
@@ -1087,7 +1053,7 @@
           <a:p>
             <a:fld id="{D91B805F-FF0F-4BAA-A3A3-E4F945D687F8}" type="datetimeFigureOut">
               <a:rPr lang="en-US" smtClean="0"/>
-              <a:t>4/28/2018</a:t>
+              <a:t>4/29/2018</a:t>
             </a:fld>
             <a:endParaRPr lang="en-US" dirty="0"/>
           </a:p>
@@ -1267,7 +1233,7 @@
           <a:p>
             <a:fld id="{780B5C51-60B3-48EF-AA78-DB950F30DBA2}" type="datetimeFigureOut">
               <a:rPr lang="en-US" smtClean="0"/>
-              <a:t>4/28/2018</a:t>
+              <a:t>4/29/2018</a:t>
             </a:fld>
             <a:endParaRPr lang="en-US" dirty="0"/>
           </a:p>
@@ -1447,7 +1413,7 @@
           <a:p>
             <a:fld id="{C35D676B-6E73-4E3B-A9B3-4966DB9B52A5}" type="datetimeFigureOut">
               <a:rPr lang="en-US" smtClean="0"/>
-              <a:t>4/28/2018</a:t>
+              <a:t>4/29/2018</a:t>
             </a:fld>
             <a:endParaRPr lang="en-US" dirty="0"/>
           </a:p>
@@ -1617,7 +1583,7 @@
           <a:p>
             <a:fld id="{2261F3A6-CC5D-4649-8527-DB0C21FDDFD9}" type="datetimeFigureOut">
               <a:rPr lang="en-US" smtClean="0"/>
-              <a:t>4/28/2018</a:t>
+              <a:t>4/29/2018</a:t>
             </a:fld>
             <a:endParaRPr lang="en-US" dirty="0"/>
           </a:p>
@@ -1930,7 +1896,7 @@
           <a:p>
             <a:fld id="{5B6F927C-B73E-4F9D-ADFE-F6E23BD7CEE8}" type="datetimeFigureOut">
               <a:rPr lang="en-US" smtClean="0"/>
-              <a:t>4/28/2018</a:t>
+              <a:t>4/29/2018</a:t>
             </a:fld>
             <a:endParaRPr lang="en-US" dirty="0"/>
           </a:p>
@@ -2317,7 +2283,7 @@
           <a:p>
             <a:fld id="{65B1FFFF-984A-4EE5-9BF2-EC9310C878F1}" type="datetimeFigureOut">
               <a:rPr lang="en-US" smtClean="0"/>
-              <a:t>4/28/2018</a:t>
+              <a:t>4/29/2018</a:t>
             </a:fld>
             <a:endParaRPr lang="en-US" dirty="0"/>
           </a:p>
@@ -2751,7 +2717,7 @@
           <a:p>
             <a:fld id="{703271C1-B42E-4A60-A25F-0185B888604B}" type="datetimeFigureOut">
               <a:rPr lang="en-US" smtClean="0"/>
-              <a:t>4/28/2018</a:t>
+              <a:t>4/29/2018</a:t>
             </a:fld>
             <a:endParaRPr lang="en-US" dirty="0"/>
           </a:p>
@@ -2869,7 +2835,7 @@
           <a:p>
             <a:fld id="{80416292-3725-4763-8973-4C59F0403D99}" type="datetimeFigureOut">
               <a:rPr lang="en-US" smtClean="0"/>
-              <a:t>4/28/2018</a:t>
+              <a:t>4/29/2018</a:t>
             </a:fld>
             <a:endParaRPr lang="en-US" dirty="0"/>
           </a:p>
@@ -2964,7 +2930,7 @@
           <a:p>
             <a:fld id="{386996D1-8909-469F-911A-4C12C68BF5D9}" type="datetimeFigureOut">
               <a:rPr lang="en-US" smtClean="0"/>
-              <a:t>4/28/2018</a:t>
+              <a:t>4/29/2018</a:t>
             </a:fld>
             <a:endParaRPr lang="en-US" dirty="0"/>
           </a:p>
@@ -3314,7 +3280,7 @@
           <a:p>
             <a:fld id="{E16A73BC-5D11-4675-B334-102E1E8C9B50}" type="datetimeFigureOut">
               <a:rPr lang="en-US" smtClean="0"/>
-              <a:t>4/28/2018</a:t>
+              <a:t>4/29/2018</a:t>
             </a:fld>
             <a:endParaRPr lang="en-US" dirty="0"/>
           </a:p>
@@ -3739,7 +3705,7 @@
           <a:p>
             <a:fld id="{27B8E45F-652B-4E89-8925-000B0AB8FD98}" type="datetimeFigureOut">
               <a:rPr lang="en-US" smtClean="0"/>
-              <a:t>4/28/2018</a:t>
+              <a:t>4/29/2018</a:t>
             </a:fld>
             <a:endParaRPr lang="en-US" dirty="0"/>
           </a:p>
@@ -4020,7 +3986,7 @@
           <a:p>
             <a:fld id="{C4A3462A-2D5B-48AF-A3D4-EF8A90A50A80}" type="datetimeFigureOut">
               <a:rPr lang="en-US" smtClean="0"/>
-              <a:t>4/28/2018</a:t>
+              <a:t>4/29/2018</a:t>
             </a:fld>
             <a:endParaRPr lang="en-US" dirty="0"/>
           </a:p>
@@ -4614,7 +4580,12 @@
             <p:ph type="ctrTitle"/>
           </p:nvPr>
         </p:nvSpPr>
-        <p:spPr/>
+        <p:spPr>
+          <a:xfrm>
+            <a:off x="1069848" y="1353312"/>
+            <a:ext cx="9966960" cy="3035808"/>
+          </a:xfrm>
+        </p:spPr>
         <p:txBody>
           <a:bodyPr/>
           <a:lstStyle/>
@@ -4711,10 +4682,10 @@
       </p:grpSpPr>
       <p:sp>
         <p:nvSpPr>
-          <p:cNvPr id="7" name="Title 6">
+          <p:cNvPr id="2" name="Title 1">
             <a:extLst>
               <a:ext uri="{FF2B5EF4-FFF2-40B4-BE49-F238E27FC236}">
-                <a16:creationId xmlns:a16="http://schemas.microsoft.com/office/drawing/2014/main" id="{0F212CC8-757B-4DA1-875B-E1CEAFD4E313}"/>
+                <a16:creationId xmlns:a16="http://schemas.microsoft.com/office/drawing/2014/main" id="{CC00D259-2249-4879-A6EC-A295A437C0DA}"/>
               </a:ext>
             </a:extLst>
           </p:cNvPr>
@@ -4727,8 +4698,8 @@
         </p:nvSpPr>
         <p:spPr>
           <a:xfrm>
-            <a:off x="2167128" y="1225296"/>
-            <a:ext cx="9281160" cy="3520440"/>
+            <a:off x="1069848" y="438334"/>
+            <a:ext cx="10058400" cy="962203"/>
           </a:xfrm>
         </p:spPr>
         <p:txBody>
@@ -4736,18 +4707,22 @@
           <a:lstStyle/>
           <a:p>
             <a:r>
+              <a:rPr lang="en-US" dirty="0" err="1"/>
+              <a:t>odbc</a:t>
+            </a:r>
+            <a:r>
               <a:rPr lang="en-US" dirty="0"/>
-              <a:t>Demo</a:t>
-            </a:r>
-          </a:p>
-        </p:txBody>
-      </p:sp>
-      <p:sp>
-        <p:nvSpPr>
-          <p:cNvPr id="8" name="Text Placeholder 7">
+              <a:t> vs. RJDBC</a:t>
+            </a:r>
+          </a:p>
+        </p:txBody>
+      </p:sp>
+      <p:sp>
+        <p:nvSpPr>
+          <p:cNvPr id="4" name="Text Placeholder 3">
             <a:extLst>
               <a:ext uri="{FF2B5EF4-FFF2-40B4-BE49-F238E27FC236}">
-                <a16:creationId xmlns:a16="http://schemas.microsoft.com/office/drawing/2014/main" id="{72EC659C-73E4-4391-8E78-9319018FAD14}"/>
+                <a16:creationId xmlns:a16="http://schemas.microsoft.com/office/drawing/2014/main" id="{2D7B2F40-A99B-4F15-AA6D-AFAB63465D51}"/>
               </a:ext>
             </a:extLst>
           </p:cNvPr>
@@ -4760,8 +4735,8 @@
         </p:nvSpPr>
         <p:spPr>
           <a:xfrm>
-            <a:off x="2167128" y="4271057"/>
-            <a:ext cx="9052560" cy="1896821"/>
+            <a:off x="1072896" y="1408176"/>
+            <a:ext cx="4754880" cy="640080"/>
           </a:xfrm>
         </p:spPr>
         <p:txBody>
@@ -4771,28 +4746,251 @@
           <a:lstStyle/>
           <a:p>
             <a:r>
-              <a:rPr lang="en-US" sz="4400" dirty="0"/>
-              <a:t>Choose Your Own Adventure </a:t>
-            </a:r>
-          </a:p>
-          <a:p>
-            <a:pPr marL="457200" indent="-457200">
-              <a:buFont typeface="Arial" panose="020B0604020202020204" pitchFamily="34" charset="0"/>
-              <a:buChar char="•"/>
+              <a:rPr lang="en-US" sz="3200" dirty="0"/>
+              <a:t>ODBC</a:t>
+            </a:r>
+          </a:p>
+        </p:txBody>
+      </p:sp>
+      <p:sp>
+        <p:nvSpPr>
+          <p:cNvPr id="5" name="Content Placeholder 4">
+            <a:extLst>
+              <a:ext uri="{FF2B5EF4-FFF2-40B4-BE49-F238E27FC236}">
+                <a16:creationId xmlns:a16="http://schemas.microsoft.com/office/drawing/2014/main" id="{670C9095-A859-4E6F-B3D4-E63DC2ACB729}"/>
+              </a:ext>
+            </a:extLst>
+          </p:cNvPr>
+          <p:cNvSpPr>
+            <a:spLocks noGrp="1"/>
+          </p:cNvSpPr>
+          <p:nvPr>
+            <p:ph sz="half" idx="2"/>
+          </p:nvPr>
+        </p:nvSpPr>
+        <p:spPr>
+          <a:xfrm>
+            <a:off x="1069848" y="2086915"/>
+            <a:ext cx="4754880" cy="3948125"/>
+          </a:xfrm>
+        </p:spPr>
+        <p:txBody>
+          <a:bodyPr>
+            <a:normAutofit/>
+          </a:bodyPr>
+          <a:lstStyle/>
+          <a:p>
+            <a:pPr>
+              <a:buClr>
+                <a:srgbClr val="00B050"/>
+              </a:buClr>
+              <a:buFont typeface="Bookman Old Style" panose="02050604050505020204" pitchFamily="18" charset="0"/>
+              <a:buChar char="+"/>
             </a:pPr>
             <a:r>
+              <a:rPr lang="en-US" sz="2400" dirty="0"/>
+              <a:t>“Open” database connectivity</a:t>
+            </a:r>
+          </a:p>
+          <a:p>
+            <a:pPr>
+              <a:buClr>
+                <a:srgbClr val="00B050"/>
+              </a:buClr>
+              <a:buFont typeface="Bookman Old Style" panose="02050604050505020204" pitchFamily="18" charset="0"/>
+              <a:buChar char="+"/>
+            </a:pPr>
+            <a:r>
+              <a:rPr lang="en-US" sz="2400" dirty="0"/>
+              <a:t>Windows-friendly</a:t>
+            </a:r>
+          </a:p>
+          <a:p>
+            <a:pPr>
+              <a:buClr>
+                <a:srgbClr val="00B050"/>
+              </a:buClr>
+              <a:buFont typeface="Bookman Old Style" panose="02050604050505020204" pitchFamily="18" charset="0"/>
+              <a:buChar char="+"/>
+            </a:pPr>
+            <a:r>
+              <a:rPr lang="en-US" sz="2400" dirty="0"/>
+              <a:t>Once set-up, reliable</a:t>
+            </a:r>
+          </a:p>
+          <a:p>
+            <a:pPr>
+              <a:buClr>
+                <a:srgbClr val="00B050"/>
+              </a:buClr>
+              <a:buFont typeface="Bookman Old Style" panose="02050604050505020204" pitchFamily="18" charset="0"/>
+              <a:buChar char="+"/>
+            </a:pPr>
+            <a:endParaRPr lang="en-US" sz="2400" dirty="0"/>
+          </a:p>
+          <a:p>
+            <a:pPr>
+              <a:buClr>
+                <a:srgbClr val="FF0000"/>
+              </a:buClr>
+              <a:buFont typeface="Bookman Old Style" panose="02050604050505020204" pitchFamily="18" charset="0"/>
+              <a:buChar char="­"/>
+            </a:pPr>
+            <a:r>
+              <a:rPr lang="en-US" sz="2400" dirty="0"/>
+              <a:t>Requires driver installation</a:t>
+            </a:r>
+          </a:p>
+          <a:p>
+            <a:pPr>
+              <a:buClr>
+                <a:srgbClr val="FF0000"/>
+              </a:buClr>
+              <a:buFont typeface="Bookman Old Style" panose="02050604050505020204" pitchFamily="18" charset="0"/>
+              <a:buChar char="­"/>
+            </a:pPr>
+            <a:r>
+              <a:rPr lang="en-US" sz="2400" dirty="0"/>
+              <a:t>“Generally, any R package that uses java is a pain to set up.” Hadley W.</a:t>
+            </a:r>
+          </a:p>
+        </p:txBody>
+      </p:sp>
+      <p:sp>
+        <p:nvSpPr>
+          <p:cNvPr id="6" name="Text Placeholder 5">
+            <a:extLst>
+              <a:ext uri="{FF2B5EF4-FFF2-40B4-BE49-F238E27FC236}">
+                <a16:creationId xmlns:a16="http://schemas.microsoft.com/office/drawing/2014/main" id="{C8692839-7FDC-4752-A1F6-B45B2CB9FDA6}"/>
+              </a:ext>
+            </a:extLst>
+          </p:cNvPr>
+          <p:cNvSpPr>
+            <a:spLocks noGrp="1"/>
+          </p:cNvSpPr>
+          <p:nvPr>
+            <p:ph type="body" sz="quarter" idx="3"/>
+          </p:nvPr>
+        </p:nvSpPr>
+        <p:spPr>
+          <a:xfrm>
+            <a:off x="6364224" y="1446835"/>
+            <a:ext cx="4754880" cy="640080"/>
+          </a:xfrm>
+        </p:spPr>
+        <p:txBody>
+          <a:bodyPr>
+            <a:normAutofit/>
+          </a:bodyPr>
+          <a:lstStyle/>
+          <a:p>
+            <a:r>
               <a:rPr lang="en-US" sz="3200" dirty="0"/>
-              <a:t>Linux with PostgreSQL </a:t>
-            </a:r>
-          </a:p>
-          <a:p>
-            <a:pPr marL="457200" indent="-457200">
-              <a:buFont typeface="Arial" panose="020B0604020202020204" pitchFamily="34" charset="0"/>
-              <a:buChar char="•"/>
+              <a:t>JDBC</a:t>
+            </a:r>
+          </a:p>
+        </p:txBody>
+      </p:sp>
+      <p:sp>
+        <p:nvSpPr>
+          <p:cNvPr id="7" name="Content Placeholder 6">
+            <a:extLst>
+              <a:ext uri="{FF2B5EF4-FFF2-40B4-BE49-F238E27FC236}">
+                <a16:creationId xmlns:a16="http://schemas.microsoft.com/office/drawing/2014/main" id="{6DD77ABB-4959-4CEB-A266-34A9F3A2477E}"/>
+              </a:ext>
+            </a:extLst>
+          </p:cNvPr>
+          <p:cNvSpPr>
+            <a:spLocks noGrp="1"/>
+          </p:cNvSpPr>
+          <p:nvPr>
+            <p:ph sz="quarter" idx="4"/>
+          </p:nvPr>
+        </p:nvSpPr>
+        <p:spPr>
+          <a:xfrm>
+            <a:off x="6364224" y="2086915"/>
+            <a:ext cx="4754880" cy="3948125"/>
+          </a:xfrm>
+        </p:spPr>
+        <p:txBody>
+          <a:bodyPr>
+            <a:normAutofit/>
+          </a:bodyPr>
+          <a:lstStyle/>
+          <a:p>
+            <a:pPr>
+              <a:buClr>
+                <a:srgbClr val="00B050"/>
+              </a:buClr>
+              <a:buFont typeface="Bookman Old Style" panose="02050604050505020204" pitchFamily="18" charset="0"/>
+              <a:buChar char="+"/>
             </a:pPr>
             <a:r>
-              <a:rPr lang="en-US" sz="3200" dirty="0"/>
-              <a:t>Windows with SQL Server</a:t>
+              <a:rPr lang="en-US" sz="2400" dirty="0"/>
+              <a:t>Easy setup</a:t>
+            </a:r>
+          </a:p>
+          <a:p>
+            <a:pPr>
+              <a:buClr>
+                <a:srgbClr val="00B050"/>
+              </a:buClr>
+              <a:buFont typeface="Bookman Old Style" panose="02050604050505020204" pitchFamily="18" charset="0"/>
+              <a:buChar char="+"/>
+            </a:pPr>
+            <a:r>
+              <a:rPr lang="en-US" sz="2400" dirty="0"/>
+              <a:t>Platform independence</a:t>
+            </a:r>
+          </a:p>
+          <a:p>
+            <a:pPr>
+              <a:buClr>
+                <a:srgbClr val="00B050"/>
+              </a:buClr>
+              <a:buFont typeface="Bookman Old Style" panose="02050604050505020204" pitchFamily="18" charset="0"/>
+              <a:buChar char="+"/>
+            </a:pPr>
+            <a:r>
+              <a:rPr lang="en-US" sz="2400" dirty="0"/>
+              <a:t>Any OS that supports Java</a:t>
+            </a:r>
+          </a:p>
+          <a:p>
+            <a:pPr>
+              <a:buClr>
+                <a:srgbClr val="00B050"/>
+              </a:buClr>
+              <a:buFont typeface="Bookman Old Style" panose="02050604050505020204" pitchFamily="18" charset="0"/>
+              <a:buChar char="+"/>
+            </a:pPr>
+            <a:endParaRPr lang="en-US" sz="2400" dirty="0"/>
+          </a:p>
+          <a:p>
+            <a:pPr>
+              <a:buClr>
+                <a:srgbClr val="FF0000"/>
+              </a:buClr>
+              <a:buFont typeface="Bookman Old Style" panose="02050604050505020204" pitchFamily="18" charset="0"/>
+              <a:buChar char="­"/>
+            </a:pPr>
+            <a:r>
+              <a:rPr lang="en-US" sz="2400" dirty="0"/>
+              <a:t>Requires Java Client</a:t>
+            </a:r>
+          </a:p>
+          <a:p>
+            <a:pPr>
+              <a:buClr>
+                <a:srgbClr val="FF0000"/>
+              </a:buClr>
+              <a:buFont typeface="Bookman Old Style" panose="02050604050505020204" pitchFamily="18" charset="0"/>
+              <a:buChar char="­"/>
+            </a:pPr>
+            <a:r>
+              <a:rPr lang="en-US" sz="2400" dirty="0"/>
+              <a:t>Worked well after Java option tweaks</a:t>
             </a:r>
           </a:p>
         </p:txBody>
@@ -4800,7 +4998,7 @@
     </p:spTree>
     <p:extLst>
       <p:ext uri="{BB962C8B-B14F-4D97-AF65-F5344CB8AC3E}">
-        <p14:creationId xmlns:p14="http://schemas.microsoft.com/office/powerpoint/2010/main" val="1615024739"/>
+        <p14:creationId xmlns:p14="http://schemas.microsoft.com/office/powerpoint/2010/main" val="1082331070"/>
       </p:ext>
     </p:extLst>
   </p:cSld>
@@ -4829,10 +5027,10 @@
       </p:grpSpPr>
       <p:sp>
         <p:nvSpPr>
-          <p:cNvPr id="2" name="Title 1">
+          <p:cNvPr id="7" name="Title 6">
             <a:extLst>
               <a:ext uri="{FF2B5EF4-FFF2-40B4-BE49-F238E27FC236}">
-                <a16:creationId xmlns:a16="http://schemas.microsoft.com/office/drawing/2014/main" id="{CC00D259-2249-4879-A6EC-A295A437C0DA}"/>
+                <a16:creationId xmlns:a16="http://schemas.microsoft.com/office/drawing/2014/main" id="{0F212CC8-757B-4DA1-875B-E1CEAFD4E313}"/>
               </a:ext>
             </a:extLst>
           </p:cNvPr>
@@ -4843,28 +5041,29 @@
             <p:ph type="title"/>
           </p:nvPr>
         </p:nvSpPr>
-        <p:spPr/>
+        <p:spPr>
+          <a:xfrm>
+            <a:off x="2167128" y="1225296"/>
+            <a:ext cx="9281160" cy="3520440"/>
+          </a:xfrm>
+        </p:spPr>
         <p:txBody>
           <a:bodyPr/>
           <a:lstStyle/>
           <a:p>
             <a:r>
-              <a:rPr lang="en-US" dirty="0" err="1"/>
-              <a:t>odbc</a:t>
-            </a:r>
-            <a:r>
               <a:rPr lang="en-US" dirty="0"/>
-              <a:t> vs. RJDBC</a:t>
-            </a:r>
-          </a:p>
-        </p:txBody>
-      </p:sp>
-      <p:sp>
-        <p:nvSpPr>
-          <p:cNvPr id="4" name="Text Placeholder 3">
+              <a:t>Demo</a:t>
+            </a:r>
+          </a:p>
+        </p:txBody>
+      </p:sp>
+      <p:sp>
+        <p:nvSpPr>
+          <p:cNvPr id="8" name="Text Placeholder 7">
             <a:extLst>
               <a:ext uri="{FF2B5EF4-FFF2-40B4-BE49-F238E27FC236}">
-                <a16:creationId xmlns:a16="http://schemas.microsoft.com/office/drawing/2014/main" id="{2D7B2F40-A99B-4F15-AA6D-AFAB63465D51}"/>
+                <a16:creationId xmlns:a16="http://schemas.microsoft.com/office/drawing/2014/main" id="{72EC659C-73E4-4391-8E78-9319018FAD14}"/>
               </a:ext>
             </a:extLst>
           </p:cNvPr>
@@ -4875,258 +5074,49 @@
             <p:ph type="body" idx="1"/>
           </p:nvPr>
         </p:nvSpPr>
-        <p:spPr/>
-        <p:txBody>
-          <a:bodyPr/>
-          <a:lstStyle/>
-          <a:p>
-            <a:r>
-              <a:rPr lang="en-US" dirty="0" err="1"/>
-              <a:t>odbc</a:t>
-            </a:r>
-            <a:endParaRPr lang="en-US" dirty="0"/>
-          </a:p>
-        </p:txBody>
-      </p:sp>
-      <p:sp>
-        <p:nvSpPr>
-          <p:cNvPr id="5" name="Content Placeholder 4">
-            <a:extLst>
-              <a:ext uri="{FF2B5EF4-FFF2-40B4-BE49-F238E27FC236}">
-                <a16:creationId xmlns:a16="http://schemas.microsoft.com/office/drawing/2014/main" id="{670C9095-A859-4E6F-B3D4-E63DC2ACB729}"/>
-              </a:ext>
-            </a:extLst>
-          </p:cNvPr>
-          <p:cNvSpPr>
-            <a:spLocks noGrp="1"/>
-          </p:cNvSpPr>
-          <p:nvPr>
-            <p:ph sz="half" idx="2"/>
-          </p:nvPr>
-        </p:nvSpPr>
-        <p:spPr/>
+        <p:spPr>
+          <a:xfrm>
+            <a:off x="2167128" y="4961179"/>
+            <a:ext cx="9052560" cy="1896821"/>
+          </a:xfrm>
+        </p:spPr>
         <p:txBody>
           <a:bodyPr>
             <a:normAutofit/>
           </a:bodyPr>
           <a:lstStyle/>
           <a:p>
-            <a:pPr>
-              <a:buClr>
-                <a:srgbClr val="00B050"/>
-              </a:buClr>
-              <a:buFont typeface="Bookman Old Style" panose="02050604050505020204" pitchFamily="18" charset="0"/>
-              <a:buChar char="+"/>
+            <a:r>
+              <a:rPr lang="en-US" sz="4400" dirty="0"/>
+              <a:t>Choose Your Own Adventure </a:t>
+            </a:r>
+          </a:p>
+          <a:p>
+            <a:pPr marL="457200" indent="-457200">
+              <a:buFont typeface="Arial" panose="020B0604020202020204" pitchFamily="34" charset="0"/>
+              <a:buChar char="•"/>
             </a:pPr>
             <a:r>
-              <a:rPr lang="en-US" sz="2400" dirty="0"/>
-              <a:t>Pro 1</a:t>
-            </a:r>
-          </a:p>
-          <a:p>
-            <a:pPr>
-              <a:buClr>
-                <a:srgbClr val="00B050"/>
-              </a:buClr>
-              <a:buFont typeface="Bookman Old Style" panose="02050604050505020204" pitchFamily="18" charset="0"/>
-              <a:buChar char="+"/>
+              <a:rPr lang="en-US" sz="3200" dirty="0"/>
+              <a:t>Linux with PostgreSQL </a:t>
+            </a:r>
+          </a:p>
+          <a:p>
+            <a:pPr marL="457200" indent="-457200">
+              <a:buFont typeface="Arial" panose="020B0604020202020204" pitchFamily="34" charset="0"/>
+              <a:buChar char="•"/>
             </a:pPr>
             <a:r>
-              <a:rPr lang="en-US" sz="2400" dirty="0"/>
-              <a:t>Pro 2</a:t>
-            </a:r>
-          </a:p>
-          <a:p>
-            <a:pPr>
-              <a:buClr>
-                <a:srgbClr val="00B050"/>
-              </a:buClr>
-              <a:buFont typeface="Bookman Old Style" panose="02050604050505020204" pitchFamily="18" charset="0"/>
-              <a:buChar char="+"/>
-            </a:pPr>
-            <a:r>
-              <a:rPr lang="en-US" sz="2400" dirty="0"/>
-              <a:t>Pro 3</a:t>
-            </a:r>
-          </a:p>
-          <a:p>
-            <a:pPr>
-              <a:buClr>
-                <a:srgbClr val="FF0000"/>
-              </a:buClr>
-              <a:buFont typeface="Bookman Old Style" panose="02050604050505020204" pitchFamily="18" charset="0"/>
-              <a:buChar char="­"/>
-            </a:pPr>
-            <a:r>
-              <a:rPr lang="en-US" sz="2400" dirty="0"/>
-              <a:t>Con 1</a:t>
-            </a:r>
-          </a:p>
-          <a:p>
-            <a:pPr>
-              <a:buClr>
-                <a:srgbClr val="FF0000"/>
-              </a:buClr>
-              <a:buFont typeface="Bookman Old Style" panose="02050604050505020204" pitchFamily="18" charset="0"/>
-              <a:buChar char="­"/>
-            </a:pPr>
-            <a:r>
-              <a:rPr lang="en-US" sz="2400" dirty="0"/>
-              <a:t>Con 2</a:t>
-            </a:r>
-          </a:p>
-          <a:p>
-            <a:pPr>
-              <a:buClr>
-                <a:srgbClr val="FF0000"/>
-              </a:buClr>
-              <a:buFont typeface="Bookman Old Style" panose="02050604050505020204" pitchFamily="18" charset="0"/>
-              <a:buChar char="­"/>
-            </a:pPr>
-            <a:r>
-              <a:rPr lang="en-US" sz="2400" dirty="0"/>
-              <a:t>Con 3</a:t>
-            </a:r>
-          </a:p>
-        </p:txBody>
-      </p:sp>
-      <p:sp>
-        <p:nvSpPr>
-          <p:cNvPr id="6" name="Text Placeholder 5">
-            <a:extLst>
-              <a:ext uri="{FF2B5EF4-FFF2-40B4-BE49-F238E27FC236}">
-                <a16:creationId xmlns:a16="http://schemas.microsoft.com/office/drawing/2014/main" id="{C8692839-7FDC-4752-A1F6-B45B2CB9FDA6}"/>
-              </a:ext>
-            </a:extLst>
-          </p:cNvPr>
-          <p:cNvSpPr>
-            <a:spLocks noGrp="1"/>
-          </p:cNvSpPr>
-          <p:nvPr>
-            <p:ph type="body" sz="quarter" idx="3"/>
-          </p:nvPr>
-        </p:nvSpPr>
-        <p:spPr/>
-        <p:txBody>
-          <a:bodyPr/>
-          <a:lstStyle/>
-          <a:p>
-            <a:r>
-              <a:rPr lang="en-US" dirty="0"/>
-              <a:t>RJDBC</a:t>
-            </a:r>
-          </a:p>
-        </p:txBody>
-      </p:sp>
-      <p:sp>
-        <p:nvSpPr>
-          <p:cNvPr id="7" name="Content Placeholder 6">
-            <a:extLst>
-              <a:ext uri="{FF2B5EF4-FFF2-40B4-BE49-F238E27FC236}">
-                <a16:creationId xmlns:a16="http://schemas.microsoft.com/office/drawing/2014/main" id="{6DD77ABB-4959-4CEB-A266-34A9F3A2477E}"/>
-              </a:ext>
-            </a:extLst>
-          </p:cNvPr>
-          <p:cNvSpPr>
-            <a:spLocks noGrp="1"/>
-          </p:cNvSpPr>
-          <p:nvPr>
-            <p:ph sz="quarter" idx="4"/>
-          </p:nvPr>
-        </p:nvSpPr>
-        <p:spPr/>
-        <p:txBody>
-          <a:bodyPr>
-            <a:normAutofit/>
-          </a:bodyPr>
-          <a:lstStyle/>
-          <a:p>
-            <a:pPr>
-              <a:buClr>
-                <a:srgbClr val="00B050"/>
-              </a:buClr>
-              <a:buFont typeface="Bookman Old Style" panose="02050604050505020204" pitchFamily="18" charset="0"/>
-              <a:buChar char="+"/>
-            </a:pPr>
-            <a:r>
-              <a:rPr lang="en-US" sz="2400" dirty="0"/>
-              <a:t>Pro 1</a:t>
-            </a:r>
-          </a:p>
-          <a:p>
-            <a:pPr>
-              <a:buClr>
-                <a:srgbClr val="00B050"/>
-              </a:buClr>
-              <a:buFont typeface="Bookman Old Style" panose="02050604050505020204" pitchFamily="18" charset="0"/>
-              <a:buChar char="+"/>
-            </a:pPr>
-            <a:r>
-              <a:rPr lang="en-US" sz="2400" dirty="0"/>
-              <a:t>Pro 2</a:t>
-            </a:r>
-          </a:p>
-          <a:p>
-            <a:pPr>
-              <a:buClr>
-                <a:srgbClr val="00B050"/>
-              </a:buClr>
-              <a:buFont typeface="Bookman Old Style" panose="02050604050505020204" pitchFamily="18" charset="0"/>
-              <a:buChar char="+"/>
-            </a:pPr>
-            <a:r>
-              <a:rPr lang="en-US" sz="2400" dirty="0"/>
-              <a:t>Pro 3</a:t>
-            </a:r>
-          </a:p>
-          <a:p>
-            <a:pPr>
-              <a:buClr>
-                <a:srgbClr val="FF0000"/>
-              </a:buClr>
-              <a:buFont typeface="Bookman Old Style" panose="02050604050505020204" pitchFamily="18" charset="0"/>
-              <a:buChar char="­"/>
-            </a:pPr>
-            <a:r>
-              <a:rPr lang="en-US" sz="2400" dirty="0"/>
-              <a:t>Con 1</a:t>
-            </a:r>
-          </a:p>
-          <a:p>
-            <a:pPr>
-              <a:buClr>
-                <a:srgbClr val="FF0000"/>
-              </a:buClr>
-              <a:buFont typeface="Bookman Old Style" panose="02050604050505020204" pitchFamily="18" charset="0"/>
-              <a:buChar char="­"/>
-            </a:pPr>
-            <a:r>
-              <a:rPr lang="en-US" sz="2400" dirty="0"/>
-              <a:t>Con 2</a:t>
-            </a:r>
-          </a:p>
-          <a:p>
-            <a:pPr>
-              <a:buClr>
-                <a:srgbClr val="FF0000"/>
-              </a:buClr>
-              <a:buFont typeface="Bookman Old Style" panose="02050604050505020204" pitchFamily="18" charset="0"/>
-              <a:buChar char="­"/>
-            </a:pPr>
-            <a:r>
-              <a:rPr lang="en-US" sz="2400" dirty="0"/>
-              <a:t>Con 3</a:t>
-            </a:r>
-          </a:p>
-          <a:p>
-            <a:endParaRPr lang="en-US" dirty="0"/>
+              <a:rPr lang="en-US" sz="3200" dirty="0"/>
+              <a:t>Windows with SQL Server</a:t>
+            </a:r>
           </a:p>
         </p:txBody>
       </p:sp>
     </p:spTree>
     <p:extLst>
       <p:ext uri="{BB962C8B-B14F-4D97-AF65-F5344CB8AC3E}">
-        <p14:creationId xmlns:p14="http://schemas.microsoft.com/office/powerpoint/2010/main" val="1082331070"/>
+        <p14:creationId xmlns:p14="http://schemas.microsoft.com/office/powerpoint/2010/main" val="1615024739"/>
       </p:ext>
     </p:extLst>
   </p:cSld>
